--- a/ISIS_April_2021/Thursday_April_15th/3_GPUs/1_McStas-3.0-GPU.pptx
+++ b/ISIS_April_2021/Thursday_April_15th/3_GPUs/1_McStas-3.0-GPU.pptx
@@ -37173,7 +37173,7 @@
 </file>
 
 <file path=ppt/slides/slide17.xml><?xml version="1.0" encoding="utf-8"?>
-<p:sld xmlns:a="http://schemas.openxmlformats.org/drawingml/2006/main" xmlns:r="http://schemas.openxmlformats.org/officeDocument/2006/relationships" xmlns:p="http://schemas.openxmlformats.org/presentationml/2006/main" xmlns:m="http://schemas.openxmlformats.org/officeDocument/2006/math" xmlns:a14="http://schemas.microsoft.com/office/drawing/2010/main" showMasterSp="1" showMasterPhAnim="1">
+<p:sld xmlns:a="http://schemas.openxmlformats.org/drawingml/2006/main" xmlns:r="http://schemas.openxmlformats.org/officeDocument/2006/relationships" xmlns:p="http://schemas.openxmlformats.org/presentationml/2006/main" xmlns:m="http://schemas.openxmlformats.org/officeDocument/2006/math" xmlns:a14="http://schemas.microsoft.com/office/drawing/2010/main" show="0" showMasterSp="1" showMasterPhAnim="1">
   <p:cSld>
     <p:spTree>
       <p:nvGrpSpPr>
